--- a/src/site/images/jarhc-logo.pptx
+++ b/src/site/images/jarhc-logo.pptx
@@ -104,6 +104,11 @@
       </a:defRPr>
     </a:lvl9pPr>
   </p:defaultTextStyle>
+  <p:extLst>
+    <p:ext uri="{EFAFB233-063F-42B5-8137-9DF3F51BA10A}">
+      <p15:sldGuideLst xmlns:p15="http://schemas.microsoft.com/office/powerpoint/2012/main"/>
+    </p:ext>
+  </p:extLst>
 </p:presentation>
 </file>
 
@@ -256,7 +261,7 @@
           <a:p>
             <a:fld id="{FD2EC1BB-4491-4433-B28E-1584D3366192}" type="datetimeFigureOut">
               <a:rPr lang="de-CH" smtClean="0"/>
-              <a:t>18.04.2019</a:t>
+              <a:t>19.04.2019</a:t>
             </a:fld>
             <a:endParaRPr lang="de-CH"/>
           </a:p>
@@ -456,7 +461,7 @@
           <a:p>
             <a:fld id="{FD2EC1BB-4491-4433-B28E-1584D3366192}" type="datetimeFigureOut">
               <a:rPr lang="de-CH" smtClean="0"/>
-              <a:t>18.04.2019</a:t>
+              <a:t>19.04.2019</a:t>
             </a:fld>
             <a:endParaRPr lang="de-CH"/>
           </a:p>
@@ -666,7 +671,7 @@
           <a:p>
             <a:fld id="{FD2EC1BB-4491-4433-B28E-1584D3366192}" type="datetimeFigureOut">
               <a:rPr lang="de-CH" smtClean="0"/>
-              <a:t>18.04.2019</a:t>
+              <a:t>19.04.2019</a:t>
             </a:fld>
             <a:endParaRPr lang="de-CH"/>
           </a:p>
@@ -866,7 +871,7 @@
           <a:p>
             <a:fld id="{FD2EC1BB-4491-4433-B28E-1584D3366192}" type="datetimeFigureOut">
               <a:rPr lang="de-CH" smtClean="0"/>
-              <a:t>18.04.2019</a:t>
+              <a:t>19.04.2019</a:t>
             </a:fld>
             <a:endParaRPr lang="de-CH"/>
           </a:p>
@@ -1142,7 +1147,7 @@
           <a:p>
             <a:fld id="{FD2EC1BB-4491-4433-B28E-1584D3366192}" type="datetimeFigureOut">
               <a:rPr lang="de-CH" smtClean="0"/>
-              <a:t>18.04.2019</a:t>
+              <a:t>19.04.2019</a:t>
             </a:fld>
             <a:endParaRPr lang="de-CH"/>
           </a:p>
@@ -1410,7 +1415,7 @@
           <a:p>
             <a:fld id="{FD2EC1BB-4491-4433-B28E-1584D3366192}" type="datetimeFigureOut">
               <a:rPr lang="de-CH" smtClean="0"/>
-              <a:t>18.04.2019</a:t>
+              <a:t>19.04.2019</a:t>
             </a:fld>
             <a:endParaRPr lang="de-CH"/>
           </a:p>
@@ -1825,7 +1830,7 @@
           <a:p>
             <a:fld id="{FD2EC1BB-4491-4433-B28E-1584D3366192}" type="datetimeFigureOut">
               <a:rPr lang="de-CH" smtClean="0"/>
-              <a:t>18.04.2019</a:t>
+              <a:t>19.04.2019</a:t>
             </a:fld>
             <a:endParaRPr lang="de-CH"/>
           </a:p>
@@ -1967,7 +1972,7 @@
           <a:p>
             <a:fld id="{FD2EC1BB-4491-4433-B28E-1584D3366192}" type="datetimeFigureOut">
               <a:rPr lang="de-CH" smtClean="0"/>
-              <a:t>18.04.2019</a:t>
+              <a:t>19.04.2019</a:t>
             </a:fld>
             <a:endParaRPr lang="de-CH"/>
           </a:p>
@@ -2080,7 +2085,7 @@
           <a:p>
             <a:fld id="{FD2EC1BB-4491-4433-B28E-1584D3366192}" type="datetimeFigureOut">
               <a:rPr lang="de-CH" smtClean="0"/>
-              <a:t>18.04.2019</a:t>
+              <a:t>19.04.2019</a:t>
             </a:fld>
             <a:endParaRPr lang="de-CH"/>
           </a:p>
@@ -2393,7 +2398,7 @@
           <a:p>
             <a:fld id="{FD2EC1BB-4491-4433-B28E-1584D3366192}" type="datetimeFigureOut">
               <a:rPr lang="de-CH" smtClean="0"/>
-              <a:t>18.04.2019</a:t>
+              <a:t>19.04.2019</a:t>
             </a:fld>
             <a:endParaRPr lang="de-CH"/>
           </a:p>
@@ -2682,7 +2687,7 @@
           <a:p>
             <a:fld id="{FD2EC1BB-4491-4433-B28E-1584D3366192}" type="datetimeFigureOut">
               <a:rPr lang="de-CH" smtClean="0"/>
-              <a:t>18.04.2019</a:t>
+              <a:t>19.04.2019</a:t>
             </a:fld>
             <a:endParaRPr lang="de-CH"/>
           </a:p>
@@ -2925,7 +2930,7 @@
           <a:p>
             <a:fld id="{FD2EC1BB-4491-4433-B28E-1584D3366192}" type="datetimeFigureOut">
               <a:rPr lang="de-CH" smtClean="0"/>
-              <a:t>18.04.2019</a:t>
+              <a:t>19.04.2019</a:t>
             </a:fld>
             <a:endParaRPr lang="de-CH"/>
           </a:p>
@@ -3399,58 +3404,6 @@
       </p:sp>
       <p:sp>
         <p:nvSpPr>
-          <p:cNvPr id="39" name="Oval 38">
-            <a:extLst>
-              <a:ext uri="{FF2B5EF4-FFF2-40B4-BE49-F238E27FC236}">
-                <a16:creationId xmlns:a16="http://schemas.microsoft.com/office/drawing/2014/main" id="{2481FAA6-39FF-4285-9DD1-DBBFC71B89E1}"/>
-              </a:ext>
-            </a:extLst>
-          </p:cNvPr>
-          <p:cNvSpPr/>
-          <p:nvPr/>
-        </p:nvSpPr>
-        <p:spPr>
-          <a:xfrm rot="10800000">
-            <a:off x="4890725" y="2448604"/>
-            <a:ext cx="657225" cy="657225"/>
-          </a:xfrm>
-          <a:prstGeom prst="ellipse">
-            <a:avLst/>
-          </a:prstGeom>
-          <a:solidFill>
-            <a:schemeClr val="bg1"/>
-          </a:solidFill>
-          <a:ln>
-            <a:noFill/>
-          </a:ln>
-        </p:spPr>
-        <p:style>
-          <a:lnRef idx="2">
-            <a:schemeClr val="accent1">
-              <a:shade val="50000"/>
-            </a:schemeClr>
-          </a:lnRef>
-          <a:fillRef idx="1">
-            <a:schemeClr val="accent1"/>
-          </a:fillRef>
-          <a:effectRef idx="0">
-            <a:schemeClr val="accent1"/>
-          </a:effectRef>
-          <a:fontRef idx="minor">
-            <a:schemeClr val="lt1"/>
-          </a:fontRef>
-        </p:style>
-        <p:txBody>
-          <a:bodyPr rtlCol="0" anchor="ctr"/>
-          <a:lstStyle/>
-          <a:p>
-            <a:pPr algn="ctr"/>
-            <a:endParaRPr lang="de-CH"/>
-          </a:p>
-        </p:txBody>
-      </p:sp>
-      <p:sp>
-        <p:nvSpPr>
           <p:cNvPr id="18" name="Rectangle 17">
             <a:extLst>
               <a:ext uri="{FF2B5EF4-FFF2-40B4-BE49-F238E27FC236}">
@@ -3505,110 +3458,6 @@
       </p:sp>
       <p:sp>
         <p:nvSpPr>
-          <p:cNvPr id="38" name="Oval 37">
-            <a:extLst>
-              <a:ext uri="{FF2B5EF4-FFF2-40B4-BE49-F238E27FC236}">
-                <a16:creationId xmlns:a16="http://schemas.microsoft.com/office/drawing/2014/main" id="{D8956A12-D88C-4ED8-8DB2-7CDCC25AE9BA}"/>
-              </a:ext>
-            </a:extLst>
-          </p:cNvPr>
-          <p:cNvSpPr/>
-          <p:nvPr/>
-        </p:nvSpPr>
-        <p:spPr>
-          <a:xfrm rot="10800000">
-            <a:off x="4526089" y="3630681"/>
-            <a:ext cx="657225" cy="657225"/>
-          </a:xfrm>
-          <a:prstGeom prst="ellipse">
-            <a:avLst/>
-          </a:prstGeom>
-          <a:solidFill>
-            <a:schemeClr val="bg1"/>
-          </a:solidFill>
-          <a:ln>
-            <a:noFill/>
-          </a:ln>
-        </p:spPr>
-        <p:style>
-          <a:lnRef idx="2">
-            <a:schemeClr val="accent1">
-              <a:shade val="50000"/>
-            </a:schemeClr>
-          </a:lnRef>
-          <a:fillRef idx="1">
-            <a:schemeClr val="accent1"/>
-          </a:fillRef>
-          <a:effectRef idx="0">
-            <a:schemeClr val="accent1"/>
-          </a:effectRef>
-          <a:fontRef idx="minor">
-            <a:schemeClr val="lt1"/>
-          </a:fontRef>
-        </p:style>
-        <p:txBody>
-          <a:bodyPr rtlCol="0" anchor="ctr"/>
-          <a:lstStyle/>
-          <a:p>
-            <a:pPr algn="ctr"/>
-            <a:endParaRPr lang="de-CH"/>
-          </a:p>
-        </p:txBody>
-      </p:sp>
-      <p:sp>
-        <p:nvSpPr>
-          <p:cNvPr id="11" name="Rectangle 10">
-            <a:extLst>
-              <a:ext uri="{FF2B5EF4-FFF2-40B4-BE49-F238E27FC236}">
-                <a16:creationId xmlns:a16="http://schemas.microsoft.com/office/drawing/2014/main" id="{418CE1DE-7791-4817-966A-1724E5F52ADC}"/>
-              </a:ext>
-            </a:extLst>
-          </p:cNvPr>
-          <p:cNvSpPr/>
-          <p:nvPr/>
-        </p:nvSpPr>
-        <p:spPr>
-          <a:xfrm>
-            <a:off x="5360275" y="2627992"/>
-            <a:ext cx="308906" cy="298450"/>
-          </a:xfrm>
-          <a:prstGeom prst="rect">
-            <a:avLst/>
-          </a:prstGeom>
-          <a:solidFill>
-            <a:schemeClr val="bg1"/>
-          </a:solidFill>
-          <a:ln>
-            <a:noFill/>
-          </a:ln>
-        </p:spPr>
-        <p:style>
-          <a:lnRef idx="2">
-            <a:schemeClr val="accent1">
-              <a:shade val="50000"/>
-            </a:schemeClr>
-          </a:lnRef>
-          <a:fillRef idx="1">
-            <a:schemeClr val="accent1"/>
-          </a:fillRef>
-          <a:effectRef idx="0">
-            <a:schemeClr val="accent1"/>
-          </a:effectRef>
-          <a:fontRef idx="minor">
-            <a:schemeClr val="lt1"/>
-          </a:fontRef>
-        </p:style>
-        <p:txBody>
-          <a:bodyPr rtlCol="0" anchor="ctr"/>
-          <a:lstStyle/>
-          <a:p>
-            <a:pPr algn="ctr"/>
-            <a:endParaRPr lang="de-CH"/>
-          </a:p>
-        </p:txBody>
-      </p:sp>
-      <p:sp>
-        <p:nvSpPr>
           <p:cNvPr id="19" name="Rectangle 18">
             <a:extLst>
               <a:ext uri="{FF2B5EF4-FFF2-40B4-BE49-F238E27FC236}">
@@ -3627,380 +3476,6 @@
           <a:prstGeom prst="rect">
             <a:avLst/>
           </a:prstGeom>
-          <a:ln>
-            <a:noFill/>
-          </a:ln>
-        </p:spPr>
-        <p:style>
-          <a:lnRef idx="2">
-            <a:schemeClr val="accent1">
-              <a:shade val="50000"/>
-            </a:schemeClr>
-          </a:lnRef>
-          <a:fillRef idx="1">
-            <a:schemeClr val="accent1"/>
-          </a:fillRef>
-          <a:effectRef idx="0">
-            <a:schemeClr val="accent1"/>
-          </a:effectRef>
-          <a:fontRef idx="minor">
-            <a:schemeClr val="lt1"/>
-          </a:fontRef>
-        </p:style>
-        <p:txBody>
-          <a:bodyPr rtlCol="0" anchor="ctr"/>
-          <a:lstStyle/>
-          <a:p>
-            <a:pPr algn="ctr"/>
-            <a:endParaRPr lang="de-CH"/>
-          </a:p>
-        </p:txBody>
-      </p:sp>
-      <p:sp>
-        <p:nvSpPr>
-          <p:cNvPr id="21" name="Rectangle 20">
-            <a:extLst>
-              <a:ext uri="{FF2B5EF4-FFF2-40B4-BE49-F238E27FC236}">
-                <a16:creationId xmlns:a16="http://schemas.microsoft.com/office/drawing/2014/main" id="{85BCEEC5-C502-425B-8E43-5727E556F502}"/>
-              </a:ext>
-            </a:extLst>
-          </p:cNvPr>
-          <p:cNvSpPr/>
-          <p:nvPr/>
-        </p:nvSpPr>
-        <p:spPr>
-          <a:xfrm rot="16200000">
-            <a:off x="4728191" y="3558267"/>
-            <a:ext cx="253022" cy="298450"/>
-          </a:xfrm>
-          <a:prstGeom prst="rect">
-            <a:avLst/>
-          </a:prstGeom>
-          <a:solidFill>
-            <a:schemeClr val="bg1"/>
-          </a:solidFill>
-          <a:ln>
-            <a:noFill/>
-          </a:ln>
-        </p:spPr>
-        <p:style>
-          <a:lnRef idx="2">
-            <a:schemeClr val="accent1">
-              <a:shade val="50000"/>
-            </a:schemeClr>
-          </a:lnRef>
-          <a:fillRef idx="1">
-            <a:schemeClr val="accent1"/>
-          </a:fillRef>
-          <a:effectRef idx="0">
-            <a:schemeClr val="accent1"/>
-          </a:effectRef>
-          <a:fontRef idx="minor">
-            <a:schemeClr val="lt1"/>
-          </a:fontRef>
-        </p:style>
-        <p:txBody>
-          <a:bodyPr rtlCol="0" anchor="ctr"/>
-          <a:lstStyle/>
-          <a:p>
-            <a:pPr algn="ctr"/>
-            <a:endParaRPr lang="de-CH"/>
-          </a:p>
-        </p:txBody>
-      </p:sp>
-      <p:sp>
-        <p:nvSpPr>
-          <p:cNvPr id="24" name="Rectangle 23">
-            <a:extLst>
-              <a:ext uri="{FF2B5EF4-FFF2-40B4-BE49-F238E27FC236}">
-                <a16:creationId xmlns:a16="http://schemas.microsoft.com/office/drawing/2014/main" id="{8D0F8449-6FC2-4537-AC30-666C7BEF71C6}"/>
-              </a:ext>
-            </a:extLst>
-          </p:cNvPr>
-          <p:cNvSpPr/>
-          <p:nvPr/>
-        </p:nvSpPr>
-        <p:spPr>
-          <a:xfrm rot="10800000">
-            <a:off x="5647352" y="4174706"/>
-            <a:ext cx="216725" cy="298450"/>
-          </a:xfrm>
-          <a:prstGeom prst="rect">
-            <a:avLst/>
-          </a:prstGeom>
-          <a:solidFill>
-            <a:schemeClr val="bg1"/>
-          </a:solidFill>
-          <a:ln>
-            <a:noFill/>
-          </a:ln>
-        </p:spPr>
-        <p:style>
-          <a:lnRef idx="2">
-            <a:schemeClr val="accent1">
-              <a:shade val="50000"/>
-            </a:schemeClr>
-          </a:lnRef>
-          <a:fillRef idx="1">
-            <a:schemeClr val="accent1"/>
-          </a:fillRef>
-          <a:effectRef idx="0">
-            <a:schemeClr val="accent1"/>
-          </a:effectRef>
-          <a:fontRef idx="minor">
-            <a:schemeClr val="lt1"/>
-          </a:fontRef>
-        </p:style>
-        <p:txBody>
-          <a:bodyPr rtlCol="0" anchor="ctr"/>
-          <a:lstStyle/>
-          <a:p>
-            <a:pPr algn="ctr"/>
-            <a:endParaRPr lang="de-CH"/>
-          </a:p>
-        </p:txBody>
-      </p:sp>
-      <p:sp>
-        <p:nvSpPr>
-          <p:cNvPr id="25" name="Oval 24">
-            <a:extLst>
-              <a:ext uri="{FF2B5EF4-FFF2-40B4-BE49-F238E27FC236}">
-                <a16:creationId xmlns:a16="http://schemas.microsoft.com/office/drawing/2014/main" id="{E7BB33AD-2D67-46C9-A7BA-6F415A577AD9}"/>
-              </a:ext>
-            </a:extLst>
-          </p:cNvPr>
-          <p:cNvSpPr/>
-          <p:nvPr/>
-        </p:nvSpPr>
-        <p:spPr>
-          <a:xfrm rot="10800000">
-            <a:off x="5703664" y="3995317"/>
-            <a:ext cx="657225" cy="657225"/>
-          </a:xfrm>
-          <a:prstGeom prst="ellipse">
-            <a:avLst/>
-          </a:prstGeom>
-          <a:solidFill>
-            <a:schemeClr val="bg1"/>
-          </a:solidFill>
-          <a:ln>
-            <a:noFill/>
-          </a:ln>
-        </p:spPr>
-        <p:style>
-          <a:lnRef idx="2">
-            <a:schemeClr val="accent1">
-              <a:shade val="50000"/>
-            </a:schemeClr>
-          </a:lnRef>
-          <a:fillRef idx="1">
-            <a:schemeClr val="accent1"/>
-          </a:fillRef>
-          <a:effectRef idx="0">
-            <a:schemeClr val="accent1"/>
-          </a:effectRef>
-          <a:fontRef idx="minor">
-            <a:schemeClr val="lt1"/>
-          </a:fontRef>
-        </p:style>
-        <p:txBody>
-          <a:bodyPr rtlCol="0" anchor="ctr"/>
-          <a:lstStyle/>
-          <a:p>
-            <a:pPr algn="ctr"/>
-            <a:endParaRPr lang="de-CH"/>
-          </a:p>
-        </p:txBody>
-      </p:sp>
-      <p:sp>
-        <p:nvSpPr>
-          <p:cNvPr id="15" name="Rectangle 14">
-            <a:extLst>
-              <a:ext uri="{FF2B5EF4-FFF2-40B4-BE49-F238E27FC236}">
-                <a16:creationId xmlns:a16="http://schemas.microsoft.com/office/drawing/2014/main" id="{733C6A56-748E-4278-9175-881DEFB15FC4}"/>
-              </a:ext>
-            </a:extLst>
-          </p:cNvPr>
-          <p:cNvSpPr/>
-          <p:nvPr/>
-        </p:nvSpPr>
-        <p:spPr>
-          <a:xfrm rot="16200000">
-            <a:off x="4746341" y="3523297"/>
-            <a:ext cx="216725" cy="210464"/>
-          </a:xfrm>
-          <a:prstGeom prst="rect">
-            <a:avLst/>
-          </a:prstGeom>
-          <a:solidFill>
-            <a:schemeClr val="accent1">
-              <a:lumMod val="60000"/>
-              <a:lumOff val="40000"/>
-            </a:schemeClr>
-          </a:solidFill>
-          <a:ln>
-            <a:noFill/>
-          </a:ln>
-        </p:spPr>
-        <p:style>
-          <a:lnRef idx="2">
-            <a:schemeClr val="accent1">
-              <a:shade val="50000"/>
-            </a:schemeClr>
-          </a:lnRef>
-          <a:fillRef idx="1">
-            <a:schemeClr val="accent1"/>
-          </a:fillRef>
-          <a:effectRef idx="0">
-            <a:schemeClr val="accent1"/>
-          </a:effectRef>
-          <a:fontRef idx="minor">
-            <a:schemeClr val="lt1"/>
-          </a:fontRef>
-        </p:style>
-        <p:txBody>
-          <a:bodyPr rtlCol="0" anchor="ctr"/>
-          <a:lstStyle/>
-          <a:p>
-            <a:pPr algn="ctr"/>
-            <a:endParaRPr lang="de-CH"/>
-          </a:p>
-        </p:txBody>
-      </p:sp>
-      <p:sp>
-        <p:nvSpPr>
-          <p:cNvPr id="16" name="Oval 15">
-            <a:extLst>
-              <a:ext uri="{FF2B5EF4-FFF2-40B4-BE49-F238E27FC236}">
-                <a16:creationId xmlns:a16="http://schemas.microsoft.com/office/drawing/2014/main" id="{53A76382-8936-41D6-AF7D-CA6BB7D38C99}"/>
-              </a:ext>
-            </a:extLst>
-          </p:cNvPr>
-          <p:cNvSpPr/>
-          <p:nvPr/>
-        </p:nvSpPr>
-        <p:spPr>
-          <a:xfrm rot="16200000">
-            <a:off x="4594295" y="3698886"/>
-            <a:ext cx="520816" cy="520817"/>
-          </a:xfrm>
-          <a:prstGeom prst="ellipse">
-            <a:avLst/>
-          </a:prstGeom>
-          <a:solidFill>
-            <a:schemeClr val="accent1">
-              <a:lumMod val="60000"/>
-              <a:lumOff val="40000"/>
-            </a:schemeClr>
-          </a:solidFill>
-          <a:ln>
-            <a:noFill/>
-          </a:ln>
-        </p:spPr>
-        <p:style>
-          <a:lnRef idx="2">
-            <a:schemeClr val="accent1">
-              <a:shade val="50000"/>
-            </a:schemeClr>
-          </a:lnRef>
-          <a:fillRef idx="1">
-            <a:schemeClr val="accent1"/>
-          </a:fillRef>
-          <a:effectRef idx="0">
-            <a:schemeClr val="accent1"/>
-          </a:effectRef>
-          <a:fontRef idx="minor">
-            <a:schemeClr val="lt1"/>
-          </a:fontRef>
-        </p:style>
-        <p:txBody>
-          <a:bodyPr rtlCol="0" anchor="ctr"/>
-          <a:lstStyle/>
-          <a:p>
-            <a:pPr algn="ctr"/>
-            <a:endParaRPr lang="de-CH"/>
-          </a:p>
-        </p:txBody>
-      </p:sp>
-      <p:sp>
-        <p:nvSpPr>
-          <p:cNvPr id="28" name="Rectangle 27">
-            <a:extLst>
-              <a:ext uri="{FF2B5EF4-FFF2-40B4-BE49-F238E27FC236}">
-                <a16:creationId xmlns:a16="http://schemas.microsoft.com/office/drawing/2014/main" id="{401D82B2-7C2D-4BA7-8FD0-6F72A6E7D2F8}"/>
-              </a:ext>
-            </a:extLst>
-          </p:cNvPr>
-          <p:cNvSpPr/>
-          <p:nvPr/>
-        </p:nvSpPr>
-        <p:spPr>
-          <a:xfrm rot="10800000">
-            <a:off x="5597653" y="4218698"/>
-            <a:ext cx="216725" cy="210464"/>
-          </a:xfrm>
-          <a:prstGeom prst="rect">
-            <a:avLst/>
-          </a:prstGeom>
-          <a:solidFill>
-            <a:schemeClr val="accent1">
-              <a:lumMod val="75000"/>
-            </a:schemeClr>
-          </a:solidFill>
-          <a:ln>
-            <a:noFill/>
-          </a:ln>
-        </p:spPr>
-        <p:style>
-          <a:lnRef idx="2">
-            <a:schemeClr val="accent1">
-              <a:shade val="50000"/>
-            </a:schemeClr>
-          </a:lnRef>
-          <a:fillRef idx="1">
-            <a:schemeClr val="accent1"/>
-          </a:fillRef>
-          <a:effectRef idx="0">
-            <a:schemeClr val="accent1"/>
-          </a:effectRef>
-          <a:fontRef idx="minor">
-            <a:schemeClr val="lt1"/>
-          </a:fontRef>
-        </p:style>
-        <p:txBody>
-          <a:bodyPr rtlCol="0" anchor="ctr"/>
-          <a:lstStyle/>
-          <a:p>
-            <a:pPr algn="ctr"/>
-            <a:endParaRPr lang="de-CH"/>
-          </a:p>
-        </p:txBody>
-      </p:sp>
-      <p:sp>
-        <p:nvSpPr>
-          <p:cNvPr id="29" name="Oval 28">
-            <a:extLst>
-              <a:ext uri="{FF2B5EF4-FFF2-40B4-BE49-F238E27FC236}">
-                <a16:creationId xmlns:a16="http://schemas.microsoft.com/office/drawing/2014/main" id="{BE1F7544-F739-4085-9666-E3F1510224D5}"/>
-              </a:ext>
-            </a:extLst>
-          </p:cNvPr>
-          <p:cNvSpPr/>
-          <p:nvPr/>
-        </p:nvSpPr>
-        <p:spPr>
-          <a:xfrm rot="10800000">
-            <a:off x="5779058" y="4063522"/>
-            <a:ext cx="520816" cy="520817"/>
-          </a:xfrm>
-          <a:prstGeom prst="ellipse">
-            <a:avLst/>
-          </a:prstGeom>
-          <a:solidFill>
-            <a:schemeClr val="accent1">
-              <a:lumMod val="75000"/>
-            </a:schemeClr>
-          </a:solidFill>
           <a:ln>
             <a:noFill/>
           </a:ln>
@@ -4169,7 +3644,7 @@
         </p:nvSpPr>
         <p:spPr>
           <a:xfrm>
-            <a:off x="5718379" y="2145338"/>
+            <a:off x="5672659" y="2145338"/>
             <a:ext cx="2279573" cy="1263758"/>
           </a:xfrm>
           <a:prstGeom prst="roundRect">
@@ -4249,110 +3724,6 @@
               <a:latin typeface="Carlito" panose="020F0502020204030204" pitchFamily="34" charset="0"/>
               <a:cs typeface="Carlito" panose="020F0502020204030204" pitchFamily="34" charset="0"/>
             </a:endParaRPr>
-          </a:p>
-        </p:txBody>
-      </p:sp>
-      <p:sp>
-        <p:nvSpPr>
-          <p:cNvPr id="35" name="Rectangle 34">
-            <a:extLst>
-              <a:ext uri="{FF2B5EF4-FFF2-40B4-BE49-F238E27FC236}">
-                <a16:creationId xmlns:a16="http://schemas.microsoft.com/office/drawing/2014/main" id="{5F2220AE-549A-4FEA-9427-3E3E2AC73888}"/>
-              </a:ext>
-            </a:extLst>
-          </p:cNvPr>
-          <p:cNvSpPr/>
-          <p:nvPr/>
-        </p:nvSpPr>
-        <p:spPr>
-          <a:xfrm>
-            <a:off x="5431804" y="2671988"/>
-            <a:ext cx="286575" cy="210464"/>
-          </a:xfrm>
-          <a:prstGeom prst="rect">
-            <a:avLst/>
-          </a:prstGeom>
-          <a:solidFill>
-            <a:srgbClr val="4472C4"/>
-          </a:solidFill>
-          <a:ln>
-            <a:noFill/>
-          </a:ln>
-        </p:spPr>
-        <p:style>
-          <a:lnRef idx="2">
-            <a:schemeClr val="accent1">
-              <a:shade val="50000"/>
-            </a:schemeClr>
-          </a:lnRef>
-          <a:fillRef idx="1">
-            <a:schemeClr val="accent1"/>
-          </a:fillRef>
-          <a:effectRef idx="0">
-            <a:schemeClr val="accent1"/>
-          </a:effectRef>
-          <a:fontRef idx="minor">
-            <a:schemeClr val="lt1"/>
-          </a:fontRef>
-        </p:style>
-        <p:txBody>
-          <a:bodyPr rtlCol="0" anchor="ctr"/>
-          <a:lstStyle/>
-          <a:p>
-            <a:pPr algn="ctr"/>
-            <a:endParaRPr lang="de-CH"/>
-          </a:p>
-        </p:txBody>
-      </p:sp>
-      <p:sp>
-        <p:nvSpPr>
-          <p:cNvPr id="36" name="Oval 35">
-            <a:extLst>
-              <a:ext uri="{FF2B5EF4-FFF2-40B4-BE49-F238E27FC236}">
-                <a16:creationId xmlns:a16="http://schemas.microsoft.com/office/drawing/2014/main" id="{835A43B6-F094-4A87-BAA7-AB6E945D7A27}"/>
-              </a:ext>
-            </a:extLst>
-          </p:cNvPr>
-          <p:cNvSpPr/>
-          <p:nvPr/>
-        </p:nvSpPr>
-        <p:spPr>
-          <a:xfrm>
-            <a:off x="4958930" y="2516809"/>
-            <a:ext cx="520816" cy="520817"/>
-          </a:xfrm>
-          <a:prstGeom prst="ellipse">
-            <a:avLst/>
-          </a:prstGeom>
-          <a:solidFill>
-            <a:srgbClr val="4472C4"/>
-          </a:solidFill>
-          <a:ln>
-            <a:noFill/>
-          </a:ln>
-        </p:spPr>
-        <p:style>
-          <a:lnRef idx="2">
-            <a:schemeClr val="accent1">
-              <a:shade val="50000"/>
-            </a:schemeClr>
-          </a:lnRef>
-          <a:fillRef idx="1">
-            <a:schemeClr val="accent1"/>
-          </a:fillRef>
-          <a:effectRef idx="0">
-            <a:schemeClr val="accent1"/>
-          </a:effectRef>
-          <a:fontRef idx="minor">
-            <a:schemeClr val="lt1"/>
-          </a:fontRef>
-        </p:style>
-        <p:txBody>
-          <a:bodyPr rtlCol="0" anchor="ctr"/>
-          <a:lstStyle/>
-          <a:p>
-            <a:pPr algn="ctr"/>
-            <a:endParaRPr lang="de-CH"/>
           </a:p>
         </p:txBody>
       </p:sp>
@@ -4405,6 +3776,931 @@
           <a:p>
             <a:pPr algn="ctr"/>
             <a:endParaRPr lang="de-CH"/>
+          </a:p>
+        </p:txBody>
+      </p:sp>
+      <p:grpSp>
+        <p:nvGrpSpPr>
+          <p:cNvPr id="8" name="Group 7">
+            <a:extLst>
+              <a:ext uri="{FF2B5EF4-FFF2-40B4-BE49-F238E27FC236}">
+                <a16:creationId xmlns:a16="http://schemas.microsoft.com/office/drawing/2014/main" id="{25E7E0F0-11C5-47FA-9203-5046C8ADA2E0}"/>
+              </a:ext>
+            </a:extLst>
+          </p:cNvPr>
+          <p:cNvGrpSpPr/>
+          <p:nvPr/>
+        </p:nvGrpSpPr>
+        <p:grpSpPr>
+          <a:xfrm>
+            <a:off x="4576095" y="3520166"/>
+            <a:ext cx="557213" cy="679978"/>
+            <a:chOff x="4528894" y="3746064"/>
+            <a:chExt cx="557213" cy="679978"/>
+          </a:xfrm>
+        </p:grpSpPr>
+        <p:sp>
+          <p:nvSpPr>
+            <p:cNvPr id="27" name="Oval 26">
+              <a:extLst>
+                <a:ext uri="{FF2B5EF4-FFF2-40B4-BE49-F238E27FC236}">
+                  <a16:creationId xmlns:a16="http://schemas.microsoft.com/office/drawing/2014/main" id="{E7D301A3-C051-4CF7-83E6-B9AB60F4CC9D}"/>
+                </a:ext>
+              </a:extLst>
+            </p:cNvPr>
+            <p:cNvSpPr/>
+            <p:nvPr/>
+          </p:nvSpPr>
+          <p:spPr>
+            <a:xfrm>
+              <a:off x="4528894" y="3868829"/>
+              <a:ext cx="557213" cy="557213"/>
+            </a:xfrm>
+            <a:prstGeom prst="ellipse">
+              <a:avLst/>
+            </a:prstGeom>
+            <a:solidFill>
+              <a:schemeClr val="bg1"/>
+            </a:solidFill>
+            <a:ln>
+              <a:noFill/>
+            </a:ln>
+          </p:spPr>
+          <p:style>
+            <a:lnRef idx="2">
+              <a:schemeClr val="accent1">
+                <a:shade val="50000"/>
+              </a:schemeClr>
+            </a:lnRef>
+            <a:fillRef idx="1">
+              <a:schemeClr val="accent1"/>
+            </a:fillRef>
+            <a:effectRef idx="0">
+              <a:schemeClr val="accent1"/>
+            </a:effectRef>
+            <a:fontRef idx="minor">
+              <a:schemeClr val="lt1"/>
+            </a:fontRef>
+          </p:style>
+          <p:txBody>
+            <a:bodyPr rtlCol="0" anchor="ctr"/>
+            <a:lstStyle/>
+            <a:p>
+              <a:pPr algn="ctr"/>
+              <a:endParaRPr lang="de-CH"/>
+            </a:p>
+          </p:txBody>
+        </p:sp>
+        <p:sp>
+          <p:nvSpPr>
+            <p:cNvPr id="34" name="Oval 33">
+              <a:extLst>
+                <a:ext uri="{FF2B5EF4-FFF2-40B4-BE49-F238E27FC236}">
+                  <a16:creationId xmlns:a16="http://schemas.microsoft.com/office/drawing/2014/main" id="{AF53523C-9FBF-4F5A-8C7A-E0BFAB94972A}"/>
+                </a:ext>
+              </a:extLst>
+            </p:cNvPr>
+            <p:cNvSpPr/>
+            <p:nvPr/>
+          </p:nvSpPr>
+          <p:spPr>
+            <a:xfrm>
+              <a:off x="4597692" y="3937627"/>
+              <a:ext cx="419616" cy="419616"/>
+            </a:xfrm>
+            <a:prstGeom prst="ellipse">
+              <a:avLst/>
+            </a:prstGeom>
+            <a:solidFill>
+              <a:srgbClr val="8FAADC"/>
+            </a:solidFill>
+            <a:ln>
+              <a:noFill/>
+            </a:ln>
+          </p:spPr>
+          <p:style>
+            <a:lnRef idx="2">
+              <a:schemeClr val="accent1">
+                <a:shade val="50000"/>
+              </a:schemeClr>
+            </a:lnRef>
+            <a:fillRef idx="1">
+              <a:schemeClr val="accent1"/>
+            </a:fillRef>
+            <a:effectRef idx="0">
+              <a:schemeClr val="accent1"/>
+            </a:effectRef>
+            <a:fontRef idx="minor">
+              <a:schemeClr val="lt1"/>
+            </a:fontRef>
+          </p:style>
+          <p:txBody>
+            <a:bodyPr rtlCol="0" anchor="ctr"/>
+            <a:lstStyle/>
+            <a:p>
+              <a:pPr algn="ctr"/>
+              <a:endParaRPr lang="de-CH"/>
+            </a:p>
+          </p:txBody>
+        </p:sp>
+        <p:sp>
+          <p:nvSpPr>
+            <p:cNvPr id="45" name="Rectangle 44">
+              <a:extLst>
+                <a:ext uri="{FF2B5EF4-FFF2-40B4-BE49-F238E27FC236}">
+                  <a16:creationId xmlns:a16="http://schemas.microsoft.com/office/drawing/2014/main" id="{15E08B75-2B11-4428-8FAB-3CE1415111E5}"/>
+                </a:ext>
+              </a:extLst>
+            </p:cNvPr>
+            <p:cNvSpPr/>
+            <p:nvPr/>
+          </p:nvSpPr>
+          <p:spPr>
+            <a:xfrm rot="5400000">
+              <a:off x="4711717" y="3691281"/>
+              <a:ext cx="191563" cy="301130"/>
+            </a:xfrm>
+            <a:prstGeom prst="rect">
+              <a:avLst/>
+            </a:prstGeom>
+            <a:solidFill>
+              <a:schemeClr val="bg1"/>
+            </a:solidFill>
+            <a:ln>
+              <a:noFill/>
+            </a:ln>
+          </p:spPr>
+          <p:style>
+            <a:lnRef idx="2">
+              <a:schemeClr val="accent1">
+                <a:shade val="50000"/>
+              </a:schemeClr>
+            </a:lnRef>
+            <a:fillRef idx="1">
+              <a:schemeClr val="accent1"/>
+            </a:fillRef>
+            <a:effectRef idx="0">
+              <a:schemeClr val="accent1"/>
+            </a:effectRef>
+            <a:fontRef idx="minor">
+              <a:schemeClr val="lt1"/>
+            </a:fontRef>
+          </p:style>
+          <p:txBody>
+            <a:bodyPr rtlCol="0" anchor="ctr"/>
+            <a:lstStyle/>
+            <a:p>
+              <a:pPr algn="ctr"/>
+              <a:endParaRPr lang="de-CH"/>
+            </a:p>
+          </p:txBody>
+        </p:sp>
+        <p:sp>
+          <p:nvSpPr>
+            <p:cNvPr id="46" name="Rectangle 45">
+              <a:extLst>
+                <a:ext uri="{FF2B5EF4-FFF2-40B4-BE49-F238E27FC236}">
+                  <a16:creationId xmlns:a16="http://schemas.microsoft.com/office/drawing/2014/main" id="{D81E3586-26CB-46FC-A001-2DBF555D9A85}"/>
+                </a:ext>
+              </a:extLst>
+            </p:cNvPr>
+            <p:cNvSpPr/>
+            <p:nvPr/>
+          </p:nvSpPr>
+          <p:spPr>
+            <a:xfrm rot="5400000">
+              <a:off x="4682659" y="3793229"/>
+              <a:ext cx="249676" cy="155345"/>
+            </a:xfrm>
+            <a:prstGeom prst="rect">
+              <a:avLst/>
+            </a:prstGeom>
+            <a:solidFill>
+              <a:srgbClr val="8FAADC"/>
+            </a:solidFill>
+            <a:ln>
+              <a:noFill/>
+            </a:ln>
+          </p:spPr>
+          <p:style>
+            <a:lnRef idx="2">
+              <a:schemeClr val="accent1">
+                <a:shade val="50000"/>
+              </a:schemeClr>
+            </a:lnRef>
+            <a:fillRef idx="1">
+              <a:schemeClr val="accent1"/>
+            </a:fillRef>
+            <a:effectRef idx="0">
+              <a:schemeClr val="accent1"/>
+            </a:effectRef>
+            <a:fontRef idx="minor">
+              <a:schemeClr val="lt1"/>
+            </a:fontRef>
+          </p:style>
+          <p:txBody>
+            <a:bodyPr rtlCol="0" anchor="ctr"/>
+            <a:lstStyle/>
+            <a:p>
+              <a:pPr algn="ctr"/>
+              <a:endParaRPr lang="de-CH"/>
+            </a:p>
+          </p:txBody>
+        </p:sp>
+      </p:grpSp>
+      <p:grpSp>
+        <p:nvGrpSpPr>
+          <p:cNvPr id="9" name="Group 8">
+            <a:extLst>
+              <a:ext uri="{FF2B5EF4-FFF2-40B4-BE49-F238E27FC236}">
+                <a16:creationId xmlns:a16="http://schemas.microsoft.com/office/drawing/2014/main" id="{AFC4945F-5977-43E1-A8D4-D6E9F6498BB1}"/>
+              </a:ext>
+            </a:extLst>
+          </p:cNvPr>
+          <p:cNvGrpSpPr/>
+          <p:nvPr/>
+        </p:nvGrpSpPr>
+        <p:grpSpPr>
+          <a:xfrm>
+            <a:off x="5593575" y="4044316"/>
+            <a:ext cx="686280" cy="557213"/>
+            <a:chOff x="5822688" y="4053103"/>
+            <a:chExt cx="686280" cy="557213"/>
+          </a:xfrm>
+        </p:grpSpPr>
+        <p:sp>
+          <p:nvSpPr>
+            <p:cNvPr id="2" name="Oval 1">
+              <a:extLst>
+                <a:ext uri="{FF2B5EF4-FFF2-40B4-BE49-F238E27FC236}">
+                  <a16:creationId xmlns:a16="http://schemas.microsoft.com/office/drawing/2014/main" id="{DCFDC264-9925-45FF-9A08-63248D8D89FA}"/>
+                </a:ext>
+              </a:extLst>
+            </p:cNvPr>
+            <p:cNvSpPr/>
+            <p:nvPr/>
+          </p:nvSpPr>
+          <p:spPr>
+            <a:xfrm>
+              <a:off x="5951755" y="4053103"/>
+              <a:ext cx="557213" cy="557213"/>
+            </a:xfrm>
+            <a:prstGeom prst="ellipse">
+              <a:avLst/>
+            </a:prstGeom>
+            <a:solidFill>
+              <a:schemeClr val="bg1"/>
+            </a:solidFill>
+            <a:ln>
+              <a:noFill/>
+            </a:ln>
+          </p:spPr>
+          <p:style>
+            <a:lnRef idx="2">
+              <a:schemeClr val="accent1">
+                <a:shade val="50000"/>
+              </a:schemeClr>
+            </a:lnRef>
+            <a:fillRef idx="1">
+              <a:schemeClr val="accent1"/>
+            </a:fillRef>
+            <a:effectRef idx="0">
+              <a:schemeClr val="accent1"/>
+            </a:effectRef>
+            <a:fontRef idx="minor">
+              <a:schemeClr val="lt1"/>
+            </a:fontRef>
+          </p:style>
+          <p:txBody>
+            <a:bodyPr rtlCol="0" anchor="ctr"/>
+            <a:lstStyle/>
+            <a:p>
+              <a:pPr algn="ctr"/>
+              <a:endParaRPr lang="de-CH"/>
+            </a:p>
+          </p:txBody>
+        </p:sp>
+        <p:sp>
+          <p:nvSpPr>
+            <p:cNvPr id="26" name="Oval 25">
+              <a:extLst>
+                <a:ext uri="{FF2B5EF4-FFF2-40B4-BE49-F238E27FC236}">
+                  <a16:creationId xmlns:a16="http://schemas.microsoft.com/office/drawing/2014/main" id="{21FBB34D-A1FA-489F-AB4A-04D3C3370B8B}"/>
+                </a:ext>
+              </a:extLst>
+            </p:cNvPr>
+            <p:cNvSpPr/>
+            <p:nvPr/>
+          </p:nvSpPr>
+          <p:spPr>
+            <a:xfrm>
+              <a:off x="6020553" y="4121901"/>
+              <a:ext cx="419616" cy="419616"/>
+            </a:xfrm>
+            <a:prstGeom prst="ellipse">
+              <a:avLst/>
+            </a:prstGeom>
+            <a:solidFill>
+              <a:srgbClr val="2F5597"/>
+            </a:solidFill>
+            <a:ln>
+              <a:noFill/>
+            </a:ln>
+          </p:spPr>
+          <p:style>
+            <a:lnRef idx="2">
+              <a:schemeClr val="accent1">
+                <a:shade val="50000"/>
+              </a:schemeClr>
+            </a:lnRef>
+            <a:fillRef idx="1">
+              <a:schemeClr val="accent1"/>
+            </a:fillRef>
+            <a:effectRef idx="0">
+              <a:schemeClr val="accent1"/>
+            </a:effectRef>
+            <a:fontRef idx="minor">
+              <a:schemeClr val="lt1"/>
+            </a:fontRef>
+          </p:style>
+          <p:txBody>
+            <a:bodyPr rtlCol="0" anchor="ctr"/>
+            <a:lstStyle/>
+            <a:p>
+              <a:pPr algn="ctr"/>
+              <a:endParaRPr lang="de-CH"/>
+            </a:p>
+          </p:txBody>
+        </p:sp>
+        <p:sp>
+          <p:nvSpPr>
+            <p:cNvPr id="4" name="Rectangle 3">
+              <a:extLst>
+                <a:ext uri="{FF2B5EF4-FFF2-40B4-BE49-F238E27FC236}">
+                  <a16:creationId xmlns:a16="http://schemas.microsoft.com/office/drawing/2014/main" id="{4CADD8D6-4294-4B40-959F-44914D1073F2}"/>
+                </a:ext>
+              </a:extLst>
+            </p:cNvPr>
+            <p:cNvSpPr/>
+            <p:nvPr/>
+          </p:nvSpPr>
+          <p:spPr>
+            <a:xfrm>
+              <a:off x="5824538" y="4181144"/>
+              <a:ext cx="191563" cy="301130"/>
+            </a:xfrm>
+            <a:prstGeom prst="rect">
+              <a:avLst/>
+            </a:prstGeom>
+            <a:solidFill>
+              <a:schemeClr val="bg1"/>
+            </a:solidFill>
+            <a:ln>
+              <a:noFill/>
+            </a:ln>
+          </p:spPr>
+          <p:style>
+            <a:lnRef idx="2">
+              <a:schemeClr val="accent1">
+                <a:shade val="50000"/>
+              </a:schemeClr>
+            </a:lnRef>
+            <a:fillRef idx="1">
+              <a:schemeClr val="accent1"/>
+            </a:fillRef>
+            <a:effectRef idx="0">
+              <a:schemeClr val="accent1"/>
+            </a:effectRef>
+            <a:fontRef idx="minor">
+              <a:schemeClr val="lt1"/>
+            </a:fontRef>
+          </p:style>
+          <p:txBody>
+            <a:bodyPr rtlCol="0" anchor="ctr"/>
+            <a:lstStyle/>
+            <a:p>
+              <a:pPr algn="ctr"/>
+              <a:endParaRPr lang="de-CH"/>
+            </a:p>
+          </p:txBody>
+        </p:sp>
+        <p:sp>
+          <p:nvSpPr>
+            <p:cNvPr id="47" name="Rectangle 46">
+              <a:extLst>
+                <a:ext uri="{FF2B5EF4-FFF2-40B4-BE49-F238E27FC236}">
+                  <a16:creationId xmlns:a16="http://schemas.microsoft.com/office/drawing/2014/main" id="{63749A1D-BC8B-496D-9F2E-FE38C849CFB2}"/>
+                </a:ext>
+              </a:extLst>
+            </p:cNvPr>
+            <p:cNvSpPr/>
+            <p:nvPr/>
+          </p:nvSpPr>
+          <p:spPr>
+            <a:xfrm rot="10800000">
+              <a:off x="5822688" y="4254036"/>
+              <a:ext cx="249676" cy="155345"/>
+            </a:xfrm>
+            <a:prstGeom prst="rect">
+              <a:avLst/>
+            </a:prstGeom>
+            <a:solidFill>
+              <a:srgbClr val="2F5597"/>
+            </a:solidFill>
+            <a:ln>
+              <a:noFill/>
+            </a:ln>
+          </p:spPr>
+          <p:style>
+            <a:lnRef idx="2">
+              <a:schemeClr val="accent1">
+                <a:shade val="50000"/>
+              </a:schemeClr>
+            </a:lnRef>
+            <a:fillRef idx="1">
+              <a:schemeClr val="accent1"/>
+            </a:fillRef>
+            <a:effectRef idx="0">
+              <a:schemeClr val="accent1"/>
+            </a:effectRef>
+            <a:fontRef idx="minor">
+              <a:schemeClr val="lt1"/>
+            </a:fontRef>
+          </p:style>
+          <p:txBody>
+            <a:bodyPr rtlCol="0" anchor="ctr"/>
+            <a:lstStyle/>
+            <a:p>
+              <a:pPr algn="ctr"/>
+              <a:endParaRPr lang="de-CH"/>
+            </a:p>
+          </p:txBody>
+        </p:sp>
+      </p:grpSp>
+      <p:grpSp>
+        <p:nvGrpSpPr>
+          <p:cNvPr id="7" name="Group 6">
+            <a:extLst>
+              <a:ext uri="{FF2B5EF4-FFF2-40B4-BE49-F238E27FC236}">
+                <a16:creationId xmlns:a16="http://schemas.microsoft.com/office/drawing/2014/main" id="{C4620AAB-0383-48A1-B4E0-091E8829E0C8}"/>
+              </a:ext>
+            </a:extLst>
+          </p:cNvPr>
+          <p:cNvGrpSpPr/>
+          <p:nvPr/>
+        </p:nvGrpSpPr>
+        <p:grpSpPr>
+          <a:xfrm>
+            <a:off x="4990609" y="2498610"/>
+            <a:ext cx="682050" cy="557213"/>
+            <a:chOff x="4738701" y="2499691"/>
+            <a:chExt cx="682050" cy="557213"/>
+          </a:xfrm>
+        </p:grpSpPr>
+        <p:sp>
+          <p:nvSpPr>
+            <p:cNvPr id="37" name="Oval 36">
+              <a:extLst>
+                <a:ext uri="{FF2B5EF4-FFF2-40B4-BE49-F238E27FC236}">
+                  <a16:creationId xmlns:a16="http://schemas.microsoft.com/office/drawing/2014/main" id="{059CB3AE-ACBE-4848-ABA5-A29EC1F02621}"/>
+                </a:ext>
+              </a:extLst>
+            </p:cNvPr>
+            <p:cNvSpPr/>
+            <p:nvPr/>
+          </p:nvSpPr>
+          <p:spPr>
+            <a:xfrm>
+              <a:off x="4738701" y="2499691"/>
+              <a:ext cx="557213" cy="557213"/>
+            </a:xfrm>
+            <a:prstGeom prst="ellipse">
+              <a:avLst/>
+            </a:prstGeom>
+            <a:solidFill>
+              <a:schemeClr val="bg1"/>
+            </a:solidFill>
+            <a:ln>
+              <a:noFill/>
+            </a:ln>
+          </p:spPr>
+          <p:style>
+            <a:lnRef idx="2">
+              <a:schemeClr val="accent1">
+                <a:shade val="50000"/>
+              </a:schemeClr>
+            </a:lnRef>
+            <a:fillRef idx="1">
+              <a:schemeClr val="accent1"/>
+            </a:fillRef>
+            <a:effectRef idx="0">
+              <a:schemeClr val="accent1"/>
+            </a:effectRef>
+            <a:fontRef idx="minor">
+              <a:schemeClr val="lt1"/>
+            </a:fontRef>
+          </p:style>
+          <p:txBody>
+            <a:bodyPr rtlCol="0" anchor="ctr"/>
+            <a:lstStyle/>
+            <a:p>
+              <a:pPr algn="ctr"/>
+              <a:endParaRPr lang="de-CH"/>
+            </a:p>
+          </p:txBody>
+        </p:sp>
+        <p:sp>
+          <p:nvSpPr>
+            <p:cNvPr id="40" name="Oval 39">
+              <a:extLst>
+                <a:ext uri="{FF2B5EF4-FFF2-40B4-BE49-F238E27FC236}">
+                  <a16:creationId xmlns:a16="http://schemas.microsoft.com/office/drawing/2014/main" id="{9FB0917A-307D-49CB-9E9D-6744E67D001F}"/>
+                </a:ext>
+              </a:extLst>
+            </p:cNvPr>
+            <p:cNvSpPr/>
+            <p:nvPr/>
+          </p:nvSpPr>
+          <p:spPr>
+            <a:xfrm>
+              <a:off x="4807499" y="2568489"/>
+              <a:ext cx="419616" cy="419616"/>
+            </a:xfrm>
+            <a:prstGeom prst="ellipse">
+              <a:avLst/>
+            </a:prstGeom>
+            <a:solidFill>
+              <a:srgbClr val="4472C4"/>
+            </a:solidFill>
+            <a:ln>
+              <a:noFill/>
+            </a:ln>
+          </p:spPr>
+          <p:style>
+            <a:lnRef idx="2">
+              <a:schemeClr val="accent1">
+                <a:shade val="50000"/>
+              </a:schemeClr>
+            </a:lnRef>
+            <a:fillRef idx="1">
+              <a:schemeClr val="accent1"/>
+            </a:fillRef>
+            <a:effectRef idx="0">
+              <a:schemeClr val="accent1"/>
+            </a:effectRef>
+            <a:fontRef idx="minor">
+              <a:schemeClr val="lt1"/>
+            </a:fontRef>
+          </p:style>
+          <p:txBody>
+            <a:bodyPr rtlCol="0" anchor="ctr"/>
+            <a:lstStyle/>
+            <a:p>
+              <a:pPr algn="ctr"/>
+              <a:endParaRPr lang="de-CH"/>
+            </a:p>
+          </p:txBody>
+        </p:sp>
+        <p:sp>
+          <p:nvSpPr>
+            <p:cNvPr id="44" name="Rectangle 43">
+              <a:extLst>
+                <a:ext uri="{FF2B5EF4-FFF2-40B4-BE49-F238E27FC236}">
+                  <a16:creationId xmlns:a16="http://schemas.microsoft.com/office/drawing/2014/main" id="{9F8E1401-9B30-4C3B-92A0-B756E2AAB9EE}"/>
+                </a:ext>
+              </a:extLst>
+            </p:cNvPr>
+            <p:cNvSpPr/>
+            <p:nvPr/>
+          </p:nvSpPr>
+          <p:spPr>
+            <a:xfrm>
+              <a:off x="5225078" y="2627732"/>
+              <a:ext cx="191563" cy="301130"/>
+            </a:xfrm>
+            <a:prstGeom prst="rect">
+              <a:avLst/>
+            </a:prstGeom>
+            <a:solidFill>
+              <a:schemeClr val="bg1"/>
+            </a:solidFill>
+            <a:ln>
+              <a:noFill/>
+            </a:ln>
+          </p:spPr>
+          <p:style>
+            <a:lnRef idx="2">
+              <a:schemeClr val="accent1">
+                <a:shade val="50000"/>
+              </a:schemeClr>
+            </a:lnRef>
+            <a:fillRef idx="1">
+              <a:schemeClr val="accent1"/>
+            </a:fillRef>
+            <a:effectRef idx="0">
+              <a:schemeClr val="accent1"/>
+            </a:effectRef>
+            <a:fontRef idx="minor">
+              <a:schemeClr val="lt1"/>
+            </a:fontRef>
+          </p:style>
+          <p:txBody>
+            <a:bodyPr rtlCol="0" anchor="ctr"/>
+            <a:lstStyle/>
+            <a:p>
+              <a:pPr algn="ctr"/>
+              <a:endParaRPr lang="de-CH"/>
+            </a:p>
+          </p:txBody>
+        </p:sp>
+        <p:sp>
+          <p:nvSpPr>
+            <p:cNvPr id="48" name="Rectangle 47">
+              <a:extLst>
+                <a:ext uri="{FF2B5EF4-FFF2-40B4-BE49-F238E27FC236}">
+                  <a16:creationId xmlns:a16="http://schemas.microsoft.com/office/drawing/2014/main" id="{D7B17AE5-DEC6-4748-BF5E-E2A4EE87ABAA}"/>
+                </a:ext>
+              </a:extLst>
+            </p:cNvPr>
+            <p:cNvSpPr/>
+            <p:nvPr/>
+          </p:nvSpPr>
+          <p:spPr>
+            <a:xfrm rot="10800000">
+              <a:off x="5171075" y="2699544"/>
+              <a:ext cx="249676" cy="155345"/>
+            </a:xfrm>
+            <a:prstGeom prst="rect">
+              <a:avLst/>
+            </a:prstGeom>
+            <a:solidFill>
+              <a:srgbClr val="4472C4"/>
+            </a:solidFill>
+            <a:ln>
+              <a:noFill/>
+            </a:ln>
+          </p:spPr>
+          <p:style>
+            <a:lnRef idx="2">
+              <a:schemeClr val="accent1">
+                <a:shade val="50000"/>
+              </a:schemeClr>
+            </a:lnRef>
+            <a:fillRef idx="1">
+              <a:schemeClr val="accent1"/>
+            </a:fillRef>
+            <a:effectRef idx="0">
+              <a:schemeClr val="accent1"/>
+            </a:effectRef>
+            <a:fontRef idx="minor">
+              <a:schemeClr val="lt1"/>
+            </a:fontRef>
+          </p:style>
+          <p:txBody>
+            <a:bodyPr rtlCol="0" anchor="ctr"/>
+            <a:lstStyle/>
+            <a:p>
+              <a:pPr algn="ctr"/>
+              <a:endParaRPr lang="de-CH"/>
+            </a:p>
+          </p:txBody>
+        </p:sp>
+      </p:grpSp>
+      <p:sp>
+        <p:nvSpPr>
+          <p:cNvPr id="12" name="TextBox 11">
+            <a:extLst>
+              <a:ext uri="{FF2B5EF4-FFF2-40B4-BE49-F238E27FC236}">
+                <a16:creationId xmlns:a16="http://schemas.microsoft.com/office/drawing/2014/main" id="{8D6D4171-2B9D-47FF-85BB-4A368464C3A3}"/>
+              </a:ext>
+            </a:extLst>
+          </p:cNvPr>
+          <p:cNvSpPr txBox="1"/>
+          <p:nvPr/>
+        </p:nvSpPr>
+        <p:spPr>
+          <a:xfrm>
+            <a:off x="4141196" y="3673243"/>
+            <a:ext cx="1483673" cy="1323439"/>
+          </a:xfrm>
+          <a:prstGeom prst="rect">
+            <a:avLst/>
+          </a:prstGeom>
+          <a:noFill/>
+        </p:spPr>
+        <p:txBody>
+          <a:bodyPr wrap="square" rtlCol="0">
+            <a:spAutoFit/>
+          </a:bodyPr>
+          <a:lstStyle/>
+          <a:p>
+            <a:pPr defTabSz="895350">
+              <a:tabLst>
+                <a:tab pos="1257300" algn="r"/>
+              </a:tabLst>
+            </a:pPr>
+            <a:r>
+              <a:rPr lang="en-US" sz="1600" b="1" dirty="0">
+                <a:solidFill>
+                  <a:schemeClr val="bg1"/>
+                </a:solidFill>
+              </a:rPr>
+              <a:t>CA	BA</a:t>
+            </a:r>
+          </a:p>
+          <a:p>
+            <a:pPr defTabSz="895350">
+              <a:tabLst>
+                <a:tab pos="1257300" algn="r"/>
+              </a:tabLst>
+            </a:pPr>
+            <a:r>
+              <a:rPr lang="en-US" sz="1600" b="1" dirty="0">
+                <a:solidFill>
+                  <a:schemeClr val="bg1"/>
+                </a:solidFill>
+              </a:rPr>
+              <a:t>FE	BE</a:t>
+            </a:r>
+          </a:p>
+          <a:p>
+            <a:pPr defTabSz="895350"/>
+            <a:r>
+              <a:rPr lang="en-US" sz="1600" b="1" dirty="0">
+                <a:solidFill>
+                  <a:schemeClr val="bg1"/>
+                </a:solidFill>
+              </a:rPr>
+              <a:t>110101000101001010010111111011010001</a:t>
+            </a:r>
+            <a:endParaRPr lang="de-CH" sz="1600" b="1" dirty="0">
+              <a:solidFill>
+                <a:schemeClr val="bg1"/>
+              </a:solidFill>
+            </a:endParaRPr>
+          </a:p>
+        </p:txBody>
+      </p:sp>
+      <p:sp>
+        <p:nvSpPr>
+          <p:cNvPr id="50" name="TextBox 49">
+            <a:extLst>
+              <a:ext uri="{FF2B5EF4-FFF2-40B4-BE49-F238E27FC236}">
+                <a16:creationId xmlns:a16="http://schemas.microsoft.com/office/drawing/2014/main" id="{87904F5D-4A2F-4AFB-A96A-A8B104A03E9F}"/>
+              </a:ext>
+            </a:extLst>
+          </p:cNvPr>
+          <p:cNvSpPr txBox="1"/>
+          <p:nvPr/>
+        </p:nvSpPr>
+        <p:spPr>
+          <a:xfrm>
+            <a:off x="5666450" y="3673243"/>
+            <a:ext cx="1485900" cy="1308050"/>
+          </a:xfrm>
+          <a:prstGeom prst="rect">
+            <a:avLst/>
+          </a:prstGeom>
+          <a:noFill/>
+        </p:spPr>
+        <p:txBody>
+          <a:bodyPr wrap="square" rtlCol="0">
+            <a:spAutoFit/>
+          </a:bodyPr>
+          <a:lstStyle/>
+          <a:p>
+            <a:pPr algn="r"/>
+            <a:r>
+              <a:rPr lang="en-US" sz="1600" b="1" dirty="0">
+                <a:solidFill>
+                  <a:schemeClr val="bg1"/>
+                </a:solidFill>
+              </a:rPr>
+              <a:t>xyz-api-1.0.jar</a:t>
+            </a:r>
+          </a:p>
+          <a:p>
+            <a:pPr algn="r"/>
+            <a:r>
+              <a:rPr lang="en-US" sz="1500" b="1" dirty="0">
+                <a:solidFill>
+                  <a:schemeClr val="bg1"/>
+                </a:solidFill>
+              </a:rPr>
+              <a:t>META-INF</a:t>
+            </a:r>
+          </a:p>
+          <a:p>
+            <a:pPr algn="r"/>
+            <a:r>
+              <a:rPr lang="en-US" sz="1600" b="1" dirty="0">
+                <a:solidFill>
+                  <a:schemeClr val="bg1"/>
+                </a:solidFill>
+              </a:rPr>
+              <a:t>exit(-1)</a:t>
+            </a:r>
+          </a:p>
+          <a:p>
+            <a:pPr algn="r"/>
+            <a:r>
+              <a:rPr lang="en-US" sz="1500" b="1" dirty="0">
+                <a:solidFill>
+                  <a:schemeClr val="bg1"/>
+                </a:solidFill>
+              </a:rPr>
+              <a:t>-classpath</a:t>
+            </a:r>
+          </a:p>
+          <a:p>
+            <a:pPr algn="r"/>
+            <a:r>
+              <a:rPr lang="en-US" sz="1600" b="1" dirty="0">
+                <a:solidFill>
+                  <a:schemeClr val="bg1"/>
+                </a:solidFill>
+              </a:rPr>
+              <a:t>Service.class</a:t>
+            </a:r>
+          </a:p>
+        </p:txBody>
+      </p:sp>
+      <p:sp>
+        <p:nvSpPr>
+          <p:cNvPr id="51" name="TextBox 50">
+            <a:extLst>
+              <a:ext uri="{FF2B5EF4-FFF2-40B4-BE49-F238E27FC236}">
+                <a16:creationId xmlns:a16="http://schemas.microsoft.com/office/drawing/2014/main" id="{E6976A1D-8967-49EB-B0F7-2CF78E7E63DA}"/>
+              </a:ext>
+            </a:extLst>
+          </p:cNvPr>
+          <p:cNvSpPr txBox="1"/>
+          <p:nvPr/>
+        </p:nvSpPr>
+        <p:spPr>
+          <a:xfrm>
+            <a:off x="4148831" y="2104126"/>
+            <a:ext cx="1485900" cy="1323439"/>
+          </a:xfrm>
+          <a:prstGeom prst="rect">
+            <a:avLst/>
+          </a:prstGeom>
+          <a:noFill/>
+        </p:spPr>
+        <p:txBody>
+          <a:bodyPr wrap="square" rtlCol="0">
+            <a:spAutoFit/>
+          </a:bodyPr>
+          <a:lstStyle/>
+          <a:p>
+            <a:r>
+              <a:rPr lang="en-US" sz="1600" b="1" dirty="0">
+                <a:solidFill>
+                  <a:schemeClr val="bg1"/>
+                </a:solidFill>
+              </a:rPr>
+              <a:t>@API(ver=2)</a:t>
+            </a:r>
+          </a:p>
+          <a:p>
+            <a:r>
+              <a:rPr lang="en-US" sz="1600" b="1" dirty="0">
+                <a:solidFill>
+                  <a:schemeClr val="bg1"/>
+                </a:solidFill>
+              </a:rPr>
+              <a:t>private</a:t>
+            </a:r>
+          </a:p>
+          <a:p>
+            <a:r>
+              <a:rPr lang="en-US" sz="1600" b="1" dirty="0">
+                <a:solidFill>
+                  <a:schemeClr val="bg1"/>
+                </a:solidFill>
+              </a:rPr>
+              <a:t>javac</a:t>
+            </a:r>
+          </a:p>
+          <a:p>
+            <a:r>
+              <a:rPr lang="en-US" sz="1600" b="1" dirty="0">
+                <a:solidFill>
+                  <a:schemeClr val="bg1"/>
+                </a:solidFill>
+              </a:rPr>
+              <a:t>--debug</a:t>
+            </a:r>
+          </a:p>
+          <a:p>
+            <a:r>
+              <a:rPr lang="en-US" sz="1600" b="1" dirty="0">
+                <a:solidFill>
+                  <a:schemeClr val="bg1"/>
+                </a:solidFill>
+              </a:rPr>
+              <a:t>main(String[])</a:t>
+            </a:r>
           </a:p>
         </p:txBody>
       </p:sp>
